--- a/过程文档/最终评审/项目开发总结报告.pptx
+++ b/过程文档/最终评审/项目开发总结报告.pptx
@@ -8551,7 +8551,7 @@
       </p:grpSp>
       <p:pic>
         <p:nvPicPr>
-          <p:cNvPr id="4" name="图片 3"/>
+          <p:cNvPr id="2" name="图片 1"/>
           <p:cNvPicPr>
             <a:picLocks noChangeAspect="1"/>
           </p:cNvPicPr>
@@ -8565,8 +8565,8 @@
         </p:blipFill>
         <p:spPr>
           <a:xfrm>
-            <a:off x="3415030" y="1783715"/>
-            <a:ext cx="5361940" cy="4704715"/>
+            <a:off x="3550285" y="1703705"/>
+            <a:ext cx="5090795" cy="4925060"/>
           </a:xfrm>
           <a:prstGeom prst="rect">
             <a:avLst/>
